--- a/fall17/slidesF17/3colorSAT.pptx
+++ b/fall17/slidesF17/3colorSAT.pptx
@@ -224,7 +224,7 @@
           <a:p>
             <a:fld id="{7BC65607-B9AA-444D-B125-43798888EA97}" type="datetimeFigureOut">
               <a:rPr lang="en-US" smtClean="0"/>
-              <a:t>10/22/17</a:t>
+              <a:t>10/23/17</a:t>
             </a:fld>
             <a:endParaRPr lang="en-US"/>
           </a:p>
@@ -1126,7 +1126,22 @@
                 <a:uFillTx/>
                 <a:latin typeface="Comic Sans MS" pitchFamily="66" charset="0"/>
               </a:rPr>
-              <a:t>Albert R Meyer,       March 4, 2015</a:t>
+              <a:t>Albert R Meyer,       </a:t>
+            </a:r>
+            <a:r>
+              <a:rPr kumimoji="0" lang="en-US" sz="1200" b="0" i="0" u="none" strike="noStrike" kern="1200" cap="none" spc="0" normalizeH="0" baseline="0" noProof="0" dirty="0" smtClean="0">
+                <a:ln>
+                  <a:noFill/>
+                </a:ln>
+                <a:solidFill>
+                  <a:schemeClr val="tx1"/>
+                </a:solidFill>
+                <a:effectLst/>
+                <a:uLnTx/>
+                <a:uFillTx/>
+                <a:latin typeface="Comic Sans MS" pitchFamily="66" charset="0"/>
+              </a:rPr>
+              <a:t>October 23, 2017</a:t>
             </a:r>
             <a:endParaRPr kumimoji="0" lang="en-US" sz="1200" b="0" i="0" u="none" strike="noStrike" kern="1200" cap="none" spc="0" normalizeH="0" baseline="0" noProof="0" dirty="0">
               <a:ln>
@@ -18774,13 +18789,13 @@
   <p:clrMapOvr>
     <a:masterClrMapping/>
   </p:clrMapOvr>
-  <mc:AlternateContent xmlns:mc="http://schemas.openxmlformats.org/markup-compatibility/2006">
-    <mc:Choice xmlns:p14="http://schemas.microsoft.com/office/powerpoint/2010/main" Requires="p14">
+  <mc:AlternateContent xmlns:mc="http://schemas.openxmlformats.org/markup-compatibility/2006" xmlns:p14="http://schemas.microsoft.com/office/powerpoint/2010/main">
+    <mc:Choice Requires="p14">
       <p:transition spd="med" p14:dur="700" advClick="0">
         <p:fade thruBlk="1"/>
       </p:transition>
     </mc:Choice>
-    <mc:Fallback>
+    <mc:Fallback xmlns="">
       <p:transition xmlns:p14="http://schemas.microsoft.com/office/powerpoint/2010/main" spd="med" advClick="0">
         <p:fade thruBlk="1"/>
       </p:transition>
@@ -21433,6 +21448,211 @@
           </a:p>
         </p:txBody>
       </p:sp>
+      <p:sp>
+        <p:nvSpPr>
+          <p:cNvPr id="6" name="TextBox 5"/>
+          <p:cNvSpPr txBox="1"/>
+          <p:nvPr/>
+        </p:nvSpPr>
+        <p:spPr>
+          <a:xfrm>
+            <a:off x="1572036" y="1018802"/>
+            <a:ext cx="393858" cy="4099584"/>
+          </a:xfrm>
+          <a:prstGeom prst="rect">
+            <a:avLst/>
+          </a:prstGeom>
+          <a:noFill/>
+        </p:spPr>
+        <p:txBody>
+          <a:bodyPr wrap="none" rtlCol="0">
+            <a:spAutoFit/>
+          </a:bodyPr>
+          <a:lstStyle/>
+          <a:p>
+            <a:r>
+              <a:rPr lang="en-US" sz="2400" dirty="0" smtClean="0">
+                <a:solidFill>
+                  <a:srgbClr val="008000"/>
+                </a:solidFill>
+                <a:latin typeface="Comic Sans MS"/>
+                <a:cs typeface="Comic Sans MS"/>
+              </a:rPr>
+              <a:t>T</a:t>
+            </a:r>
+          </a:p>
+          <a:p>
+            <a:pPr>
+              <a:lnSpc>
+                <a:spcPct val="130000"/>
+              </a:lnSpc>
+            </a:pPr>
+            <a:r>
+              <a:rPr lang="en-US" sz="2400" dirty="0" smtClean="0">
+                <a:solidFill>
+                  <a:srgbClr val="FF0000"/>
+                </a:solidFill>
+                <a:latin typeface="Comic Sans MS"/>
+                <a:cs typeface="Comic Sans MS"/>
+              </a:rPr>
+              <a:t>F</a:t>
+            </a:r>
+          </a:p>
+          <a:p>
+            <a:pPr>
+              <a:lnSpc>
+                <a:spcPct val="130000"/>
+              </a:lnSpc>
+            </a:pPr>
+            <a:r>
+              <a:rPr lang="en-US" sz="2400" dirty="0" smtClean="0">
+                <a:solidFill>
+                  <a:srgbClr val="FF0000"/>
+                </a:solidFill>
+                <a:latin typeface="Comic Sans MS"/>
+                <a:cs typeface="Comic Sans MS"/>
+              </a:rPr>
+              <a:t>F</a:t>
+            </a:r>
+            <a:endParaRPr lang="en-US" sz="2400" dirty="0">
+              <a:solidFill>
+                <a:srgbClr val="FF0000"/>
+              </a:solidFill>
+              <a:latin typeface="Comic Sans MS"/>
+              <a:cs typeface="Comic Sans MS"/>
+            </a:endParaRPr>
+          </a:p>
+          <a:p>
+            <a:r>
+              <a:rPr lang="en-US" sz="2400" dirty="0" smtClean="0">
+                <a:latin typeface="Comic Sans MS"/>
+                <a:cs typeface="Comic Sans MS"/>
+              </a:rPr>
+              <a:t>.</a:t>
+            </a:r>
+          </a:p>
+          <a:p>
+            <a:r>
+              <a:rPr lang="en-US" sz="2400" dirty="0" smtClean="0">
+                <a:latin typeface="Comic Sans MS"/>
+                <a:cs typeface="Comic Sans MS"/>
+              </a:rPr>
+              <a:t>.</a:t>
+            </a:r>
+          </a:p>
+          <a:p>
+            <a:pPr>
+              <a:lnSpc>
+                <a:spcPct val="120000"/>
+              </a:lnSpc>
+            </a:pPr>
+            <a:r>
+              <a:rPr lang="en-US" sz="2400" dirty="0" smtClean="0">
+                <a:latin typeface="Comic Sans MS"/>
+                <a:cs typeface="Comic Sans MS"/>
+              </a:rPr>
+              <a:t>.</a:t>
+            </a:r>
+          </a:p>
+          <a:p>
+            <a:pPr>
+              <a:lnSpc>
+                <a:spcPct val="150000"/>
+              </a:lnSpc>
+            </a:pPr>
+            <a:r>
+              <a:rPr lang="en-US" sz="2400" dirty="0" smtClean="0">
+                <a:solidFill>
+                  <a:srgbClr val="008000"/>
+                </a:solidFill>
+                <a:latin typeface="Comic Sans MS"/>
+                <a:cs typeface="Comic Sans MS"/>
+              </a:rPr>
+              <a:t>T</a:t>
+            </a:r>
+          </a:p>
+          <a:p>
+            <a:pPr>
+              <a:lnSpc>
+                <a:spcPct val="130000"/>
+              </a:lnSpc>
+            </a:pPr>
+            <a:r>
+              <a:rPr lang="en-US" sz="2400" dirty="0" smtClean="0">
+                <a:solidFill>
+                  <a:srgbClr val="008000"/>
+                </a:solidFill>
+                <a:latin typeface="Comic Sans MS"/>
+                <a:cs typeface="Comic Sans MS"/>
+              </a:rPr>
+              <a:t>T</a:t>
+            </a:r>
+          </a:p>
+          <a:p>
+            <a:pPr>
+              <a:lnSpc>
+                <a:spcPct val="130000"/>
+              </a:lnSpc>
+            </a:pPr>
+            <a:r>
+              <a:rPr lang="en-US" sz="2400" dirty="0">
+                <a:solidFill>
+                  <a:srgbClr val="FF0000"/>
+                </a:solidFill>
+                <a:latin typeface="Comic Sans MS"/>
+                <a:cs typeface="Comic Sans MS"/>
+              </a:rPr>
+              <a:t>F</a:t>
+            </a:r>
+          </a:p>
+        </p:txBody>
+      </p:sp>
+      <p:sp>
+        <p:nvSpPr>
+          <p:cNvPr id="7" name="TextBox 6"/>
+          <p:cNvSpPr txBox="1"/>
+          <p:nvPr/>
+        </p:nvSpPr>
+        <p:spPr>
+          <a:xfrm>
+            <a:off x="7676689" y="2618112"/>
+            <a:ext cx="878290" cy="646331"/>
+          </a:xfrm>
+          <a:prstGeom prst="rect">
+            <a:avLst/>
+          </a:prstGeom>
+          <a:noFill/>
+        </p:spPr>
+        <p:txBody>
+          <a:bodyPr wrap="none" rtlCol="0">
+            <a:spAutoFit/>
+          </a:bodyPr>
+          <a:lstStyle/>
+          <a:p>
+            <a:r>
+              <a:rPr lang="en-US" sz="3600" dirty="0" smtClean="0">
+                <a:solidFill>
+                  <a:srgbClr val="008000"/>
+                </a:solidFill>
+                <a:latin typeface="Comic Sans MS"/>
+                <a:cs typeface="Comic Sans MS"/>
+              </a:rPr>
+              <a:t>T </a:t>
+            </a:r>
+            <a:r>
+              <a:rPr lang="en-US" sz="3600" dirty="0" smtClean="0">
+                <a:latin typeface="Comic Sans MS"/>
+                <a:cs typeface="Comic Sans MS"/>
+              </a:rPr>
+              <a:t>?</a:t>
+            </a:r>
+            <a:endParaRPr lang="en-US" sz="3600" dirty="0">
+              <a:latin typeface="Comic Sans MS"/>
+              <a:cs typeface="Comic Sans MS"/>
+            </a:endParaRPr>
+          </a:p>
+        </p:txBody>
+      </p:sp>
     </p:spTree>
     <p:extLst>
       <p:ext uri="{BB962C8B-B14F-4D97-AF65-F5344CB8AC3E}">
@@ -21657,6 +21877,103 @@
                       </p:childTnLst>
                     </p:cTn>
                   </p:par>
+                  <p:par>
+                    <p:cTn id="21" fill="hold">
+                      <p:stCondLst>
+                        <p:cond delay="indefinite"/>
+                      </p:stCondLst>
+                      <p:childTnLst>
+                        <p:par>
+                          <p:cTn id="22" fill="hold">
+                            <p:stCondLst>
+                              <p:cond delay="0"/>
+                            </p:stCondLst>
+                            <p:childTnLst>
+                              <p:par>
+                                <p:cTn id="23" presetID="22" presetClass="entr" presetSubtype="8" fill="hold" grpId="0" nodeType="clickEffect">
+                                  <p:stCondLst>
+                                    <p:cond delay="0"/>
+                                  </p:stCondLst>
+                                  <p:childTnLst>
+                                    <p:set>
+                                      <p:cBhvr>
+                                        <p:cTn id="24" dur="1" fill="hold">
+                                          <p:stCondLst>
+                                            <p:cond delay="0"/>
+                                          </p:stCondLst>
+                                        </p:cTn>
+                                        <p:tgtEl>
+                                          <p:spTgt spid="6"/>
+                                        </p:tgtEl>
+                                        <p:attrNameLst>
+                                          <p:attrName>style.visibility</p:attrName>
+                                        </p:attrNameLst>
+                                      </p:cBhvr>
+                                      <p:to>
+                                        <p:strVal val="visible"/>
+                                      </p:to>
+                                    </p:set>
+                                    <p:animEffect transition="in" filter="wipe(left)">
+                                      <p:cBhvr>
+                                        <p:cTn id="25" dur="500"/>
+                                        <p:tgtEl>
+                                          <p:spTgt spid="6"/>
+                                        </p:tgtEl>
+                                      </p:cBhvr>
+                                    </p:animEffect>
+                                  </p:childTnLst>
+                                </p:cTn>
+                              </p:par>
+                            </p:childTnLst>
+                          </p:cTn>
+                        </p:par>
+                        <p:par>
+                          <p:cTn id="26" fill="hold">
+                            <p:stCondLst>
+                              <p:cond delay="500"/>
+                            </p:stCondLst>
+                            <p:childTnLst>
+                              <p:par>
+                                <p:cTn id="27" presetID="10" presetClass="entr" presetSubtype="0" fill="hold" grpId="0" nodeType="afterEffect">
+                                  <p:stCondLst>
+                                    <p:cond delay="0"/>
+                                  </p:stCondLst>
+                                  <p:childTnLst>
+                                    <p:set>
+                                      <p:cBhvr>
+                                        <p:cTn id="28" dur="1" fill="hold">
+                                          <p:stCondLst>
+                                            <p:cond delay="0"/>
+                                          </p:stCondLst>
+                                        </p:cTn>
+                                        <p:tgtEl>
+                                          <p:spTgt spid="7"/>
+                                        </p:tgtEl>
+                                        <p:attrNameLst>
+                                          <p:attrName>style.visibility</p:attrName>
+                                        </p:attrNameLst>
+                                      </p:cBhvr>
+                                      <p:to>
+                                        <p:strVal val="visible"/>
+                                      </p:to>
+                                    </p:set>
+                                    <p:animEffect transition="in" filter="fade">
+                                      <p:cBhvr>
+                                        <p:cTn id="29" dur="1000"/>
+                                        <p:tgtEl>
+                                          <p:spTgt spid="7"/>
+                                        </p:tgtEl>
+                                      </p:cBhvr>
+                                    </p:animEffect>
+                                  </p:childTnLst>
+                                </p:cTn>
+                              </p:par>
+                            </p:childTnLst>
+                          </p:cTn>
+                        </p:par>
+                      </p:childTnLst>
+                    </p:cTn>
+                  </p:par>
                 </p:childTnLst>
               </p:cTn>
               <p:prevCondLst>
@@ -21680,6 +21997,8 @@
     </p:tnLst>
     <p:bldLst>
       <p:bldP spid="3" grpId="0"/>
+      <p:bldP spid="6" grpId="0"/>
+      <p:bldP spid="7" grpId="0"/>
     </p:bldLst>
   </p:timing>
 </p:sld>
@@ -23949,30 +24268,21 @@
                             </p:childTnLst>
                           </p:cTn>
                         </p:par>
-                      </p:childTnLst>
-                    </p:cTn>
-                  </p:par>
-                  <p:par>
-                    <p:cTn id="12" fill="hold">
-                      <p:stCondLst>
-                        <p:cond delay="indefinite"/>
-                      </p:stCondLst>
-                      <p:childTnLst>
                         <p:par>
-                          <p:cTn id="13" fill="hold">
+                          <p:cTn id="12" fill="hold">
                             <p:stCondLst>
-                              <p:cond delay="0"/>
+                              <p:cond delay="1000"/>
                             </p:stCondLst>
                             <p:childTnLst>
                               <p:par>
-                                <p:cTn id="14" presetID="52" presetClass="entr" presetSubtype="0" fill="hold" grpId="0" nodeType="clickEffect">
+                                <p:cTn id="13" presetID="52" presetClass="entr" presetSubtype="0" fill="hold" grpId="0" nodeType="afterEffect">
                                   <p:stCondLst>
                                     <p:cond delay="0"/>
                                   </p:stCondLst>
                                   <p:childTnLst>
                                     <p:set>
                                       <p:cBhvr>
-                                        <p:cTn id="15" dur="1" fill="hold">
+                                        <p:cTn id="14" dur="1" fill="hold">
                                           <p:stCondLst>
                                             <p:cond delay="0"/>
                                           </p:stCondLst>
@@ -23990,7 +24300,7 @@
                                     </p:set>
                                     <p:animScale>
                                       <p:cBhvr>
-                                        <p:cTn id="16" dur="500" decel="50000" fill="hold">
+                                        <p:cTn id="15" dur="500" decel="50000" fill="hold">
                                           <p:stCondLst>
                                             <p:cond delay="0"/>
                                           </p:stCondLst>
@@ -24004,7 +24314,7 @@
                                     </p:animScale>
                                     <p:animMotion origin="layout" path="M -0.46736 0.92887  C -0.37517 0.88508  -0.02552 0.75279  0.0908 0.66613  C  0.20747 0.57948  0.21649 0.50394  0.23177 0.40825  C 0.24705 0.31256  0.22118 0.15964   0.18264 0.09152  C 0.1441 0.02341  0.03802 0.0  0.0 0.0  " pathEditMode="relative" ptsTypes="">
                                       <p:cBhvr>
-                                        <p:cTn id="17" dur="500" decel="50000" fill="hold">
+                                        <p:cTn id="16" dur="500" decel="50000" fill="hold">
                                           <p:stCondLst>
                                             <p:cond delay="0"/>
                                           </p:stCondLst>
@@ -24020,7 +24330,7 @@
                                     </p:animMotion>
                                     <p:animEffect transition="in" filter="fade">
                                       <p:cBhvr>
-                                        <p:cTn id="18" dur="500"/>
+                                        <p:cTn id="17" dur="500"/>
                                         <p:tgtEl>
                                           <p:spTgt spid="48"/>
                                         </p:tgtEl>
@@ -25669,13 +25979,13 @@
   <p:clrMapOvr>
     <a:masterClrMapping/>
   </p:clrMapOvr>
-  <mc:AlternateContent xmlns:mc="http://schemas.openxmlformats.org/markup-compatibility/2006">
-    <mc:Choice xmlns:p14="http://schemas.microsoft.com/office/powerpoint/2010/main" Requires="p14">
+  <mc:AlternateContent xmlns:mc="http://schemas.openxmlformats.org/markup-compatibility/2006" xmlns:p14="http://schemas.microsoft.com/office/powerpoint/2010/main">
+    <mc:Choice Requires="p14">
       <p:transition p14:dur="300" advClick="0" advTm="100">
         <p:fade/>
       </p:transition>
     </mc:Choice>
-    <mc:Fallback>
+    <mc:Fallback xmlns="">
       <p:transition xmlns:p14="http://schemas.microsoft.com/office/powerpoint/2010/main" advClick="0" advTm="100">
         <p:fade/>
       </p:transition>
@@ -27297,13 +27607,13 @@
   <p:clrMapOvr>
     <a:masterClrMapping/>
   </p:clrMapOvr>
-  <mc:AlternateContent xmlns:mc="http://schemas.openxmlformats.org/markup-compatibility/2006">
-    <mc:Choice xmlns:p14="http://schemas.microsoft.com/office/powerpoint/2010/main" Requires="p14">
+  <mc:AlternateContent xmlns:mc="http://schemas.openxmlformats.org/markup-compatibility/2006" xmlns:p14="http://schemas.microsoft.com/office/powerpoint/2010/main">
+    <mc:Choice Requires="p14">
       <p:transition p14:dur="300" advClick="0" advTm="100">
         <p:fade/>
       </p:transition>
     </mc:Choice>
-    <mc:Fallback>
+    <mc:Fallback xmlns="">
       <p:transition xmlns:p14="http://schemas.microsoft.com/office/powerpoint/2010/main" advClick="0" advTm="100">
         <p:fade/>
       </p:transition>
@@ -28925,13 +29235,13 @@
   <p:clrMapOvr>
     <a:masterClrMapping/>
   </p:clrMapOvr>
-  <mc:AlternateContent xmlns:mc="http://schemas.openxmlformats.org/markup-compatibility/2006">
-    <mc:Choice xmlns:p14="http://schemas.microsoft.com/office/powerpoint/2010/main" Requires="p14">
+  <mc:AlternateContent xmlns:mc="http://schemas.openxmlformats.org/markup-compatibility/2006" xmlns:p14="http://schemas.microsoft.com/office/powerpoint/2010/main">
+    <mc:Choice Requires="p14">
       <p:transition p14:dur="300" advClick="0" advTm="100">
         <p:fade/>
       </p:transition>
     </mc:Choice>
-    <mc:Fallback>
+    <mc:Fallback xmlns="">
       <p:transition xmlns:p14="http://schemas.microsoft.com/office/powerpoint/2010/main" advClick="0" advTm="100">
         <p:fade/>
       </p:transition>
@@ -30553,13 +30863,13 @@
   <p:clrMapOvr>
     <a:masterClrMapping/>
   </p:clrMapOvr>
-  <mc:AlternateContent xmlns:mc="http://schemas.openxmlformats.org/markup-compatibility/2006">
-    <mc:Choice xmlns:p14="http://schemas.microsoft.com/office/powerpoint/2010/main" Requires="p14">
+  <mc:AlternateContent xmlns:mc="http://schemas.openxmlformats.org/markup-compatibility/2006" xmlns:p14="http://schemas.microsoft.com/office/powerpoint/2010/main">
+    <mc:Choice Requires="p14">
       <p:transition p14:dur="300" advClick="0" advTm="100">
         <p:fade/>
       </p:transition>
     </mc:Choice>
-    <mc:Fallback>
+    <mc:Fallback xmlns="">
       <p:transition xmlns:p14="http://schemas.microsoft.com/office/powerpoint/2010/main" advClick="0" advTm="100">
         <p:fade/>
       </p:transition>
@@ -33462,6 +33772,42 @@
           </p:txBody>
         </p:sp>
       </p:grpSp>
+      <p:sp>
+        <p:nvSpPr>
+          <p:cNvPr id="3" name="TextBox 2"/>
+          <p:cNvSpPr txBox="1"/>
+          <p:nvPr/>
+        </p:nvSpPr>
+        <p:spPr>
+          <a:xfrm>
+            <a:off x="1562624" y="5364144"/>
+            <a:ext cx="6153097" cy="707886"/>
+          </a:xfrm>
+          <a:prstGeom prst="rect">
+            <a:avLst/>
+          </a:prstGeom>
+          <a:noFill/>
+        </p:spPr>
+        <p:txBody>
+          <a:bodyPr wrap="none" rtlCol="0">
+            <a:spAutoFit/>
+          </a:bodyPr>
+          <a:lstStyle/>
+          <a:p>
+            <a:r>
+              <a:rPr lang="en-US" sz="4000" dirty="0" smtClean="0">
+                <a:latin typeface="Comic Sans MS"/>
+                <a:cs typeface="Comic Sans MS"/>
+              </a:rPr>
+              <a:t>replace gates by gadgets</a:t>
+            </a:r>
+            <a:endParaRPr lang="en-US" sz="4000" dirty="0">
+              <a:latin typeface="Comic Sans MS"/>
+              <a:cs typeface="Comic Sans MS"/>
+            </a:endParaRPr>
+          </a:p>
+        </p:txBody>
+      </p:sp>
     </p:spTree>
     <p:extLst>
       <p:ext uri="{BB962C8B-B14F-4D97-AF65-F5344CB8AC3E}">
@@ -33472,13 +33818,13 @@
   <p:clrMapOvr>
     <a:masterClrMapping/>
   </p:clrMapOvr>
-  <mc:AlternateContent xmlns:mc="http://schemas.openxmlformats.org/markup-compatibility/2006" xmlns:p14="http://schemas.microsoft.com/office/powerpoint/2010/main">
-    <mc:Choice Requires="p14">
+  <mc:AlternateContent xmlns:mc="http://schemas.openxmlformats.org/markup-compatibility/2006">
+    <mc:Choice xmlns:p14="http://schemas.microsoft.com/office/powerpoint/2010/main" Requires="p14">
       <p:transition spd="slow" p14:dur="1100" advClick="0">
         <p:fade thruBlk="1"/>
       </p:transition>
     </mc:Choice>
-    <mc:Fallback xmlns="">
+    <mc:Fallback>
       <p:transition xmlns:p14="http://schemas.microsoft.com/office/powerpoint/2010/main" spd="slow" advClick="0">
         <p:fade thruBlk="1"/>
       </p:transition>
@@ -33487,9 +33833,88 @@
   <p:timing>
     <p:tnLst>
       <p:par>
-        <p:cTn xmlns:p14="http://schemas.microsoft.com/office/powerpoint/2010/main" id="1" dur="indefinite" restart="never" nodeType="tmRoot"/>
+        <p:cTn xmlns:p14="http://schemas.microsoft.com/office/powerpoint/2010/main" id="1" dur="indefinite" restart="never" nodeType="tmRoot">
+          <p:childTnLst>
+            <p:seq concurrent="1" nextAc="seek">
+              <p:cTn id="2" dur="indefinite" nodeType="mainSeq">
+                <p:childTnLst>
+                  <p:par>
+                    <p:cTn id="3" fill="hold">
+                      <p:stCondLst>
+                        <p:cond delay="indefinite"/>
+                      </p:stCondLst>
+                      <p:childTnLst>
+                        <p:par>
+                          <p:cTn id="4" fill="hold">
+                            <p:stCondLst>
+                              <p:cond delay="0"/>
+                            </p:stCondLst>
+                            <p:childTnLst>
+                              <p:par>
+                                <p:cTn id="5" presetID="10" presetClass="entr" presetSubtype="0" fill="hold" grpId="0" nodeType="clickEffect">
+                                  <p:stCondLst>
+                                    <p:cond delay="0"/>
+                                  </p:stCondLst>
+                                  <p:childTnLst>
+                                    <p:set>
+                                      <p:cBhvr>
+                                        <p:cTn id="6" dur="1" fill="hold">
+                                          <p:stCondLst>
+                                            <p:cond delay="0"/>
+                                          </p:stCondLst>
+                                        </p:cTn>
+                                        <p:tgtEl>
+                                          <p:spTgt spid="3"/>
+                                        </p:tgtEl>
+                                        <p:attrNameLst>
+                                          <p:attrName>style.visibility</p:attrName>
+                                        </p:attrNameLst>
+                                      </p:cBhvr>
+                                      <p:to>
+                                        <p:strVal val="visible"/>
+                                      </p:to>
+                                    </p:set>
+                                    <p:animEffect transition="in" filter="fade">
+                                      <p:cBhvr>
+                                        <p:cTn id="7" dur="500"/>
+                                        <p:tgtEl>
+                                          <p:spTgt spid="3"/>
+                                        </p:tgtEl>
+                                      </p:cBhvr>
+                                    </p:animEffect>
+                                  </p:childTnLst>
+                                </p:cTn>
+                              </p:par>
+                            </p:childTnLst>
+                          </p:cTn>
+                        </p:par>
+                      </p:childTnLst>
+                    </p:cTn>
+                  </p:par>
+                </p:childTnLst>
+              </p:cTn>
+              <p:prevCondLst>
+                <p:cond evt="onPrev" delay="0">
+                  <p:tgtEl>
+                    <p:sldTgt/>
+                  </p:tgtEl>
+                </p:cond>
+              </p:prevCondLst>
+              <p:nextCondLst>
+                <p:cond evt="onNext" delay="0">
+                  <p:tgtEl>
+                    <p:sldTgt/>
+                  </p:tgtEl>
+                </p:cond>
+              </p:nextCondLst>
+            </p:seq>
+          </p:childTnLst>
+        </p:cTn>
       </p:par>
     </p:tnLst>
+    <p:bldLst>
+      <p:bldP spid="3" grpId="0"/>
+    </p:bldLst>
   </p:timing>
 </p:sld>
 </file>
@@ -37410,6 +37835,42 @@
           </p:spPr>
         </p:cxnSp>
       </p:grpSp>
+      <p:sp>
+        <p:nvSpPr>
+          <p:cNvPr id="114" name="TextBox 113"/>
+          <p:cNvSpPr txBox="1"/>
+          <p:nvPr/>
+        </p:nvSpPr>
+        <p:spPr>
+          <a:xfrm>
+            <a:off x="1562624" y="5364144"/>
+            <a:ext cx="6153097" cy="707886"/>
+          </a:xfrm>
+          <a:prstGeom prst="rect">
+            <a:avLst/>
+          </a:prstGeom>
+          <a:noFill/>
+        </p:spPr>
+        <p:txBody>
+          <a:bodyPr wrap="none" rtlCol="0">
+            <a:spAutoFit/>
+          </a:bodyPr>
+          <a:lstStyle/>
+          <a:p>
+            <a:r>
+              <a:rPr lang="en-US" sz="4000" dirty="0" smtClean="0">
+                <a:latin typeface="Comic Sans MS"/>
+                <a:cs typeface="Comic Sans MS"/>
+              </a:rPr>
+              <a:t>replace gates by gadgets</a:t>
+            </a:r>
+            <a:endParaRPr lang="en-US" sz="4000" dirty="0">
+              <a:latin typeface="Comic Sans MS"/>
+              <a:cs typeface="Comic Sans MS"/>
+            </a:endParaRPr>
+          </a:p>
+        </p:txBody>
+      </p:sp>
     </p:spTree>
     <p:extLst>
       <p:ext uri="{BB962C8B-B14F-4D97-AF65-F5344CB8AC3E}">
@@ -37456,7 +37917,7 @@
                             </p:stCondLst>
                             <p:childTnLst>
                               <p:par>
-                                <p:cTn id="5" presetID="10" presetClass="entr" presetSubtype="0" fill="hold" nodeType="afterEffect">
+                                <p:cTn id="5" presetID="10" presetClass="entr" presetSubtype="0" fill="hold" nodeType="withEffect">
                                   <p:stCondLst>
                                     <p:cond delay="0"/>
                                   </p:stCondLst>
@@ -42247,9 +42708,6 @@
                     <p:cTn id="3" fill="hold">
                       <p:stCondLst>
                         <p:cond delay="indefinite"/>
-                        <p:cond evt="onBegin" delay="0">
-                          <p:tn val="2"/>
-                        </p:cond>
                       </p:stCondLst>
                       <p:childTnLst>
                         <p:par>
@@ -42259,7 +42717,7 @@
                             </p:stCondLst>
                             <p:childTnLst>
                               <p:par>
-                                <p:cTn id="5" presetID="22" presetClass="entr" presetSubtype="8" fill="hold" nodeType="withEffect">
+                                <p:cTn id="5" presetID="10" presetClass="entr" presetSubtype="0" fill="hold" grpId="0" nodeType="clickEffect">
                                   <p:stCondLst>
                                     <p:cond delay="0"/>
                                   </p:stCondLst>
@@ -42267,6 +42725,50 @@
                                     <p:set>
                                       <p:cBhvr>
                                         <p:cTn id="6" dur="1" fill="hold">
+                                          <p:stCondLst>
+                                            <p:cond delay="0"/>
+                                          </p:stCondLst>
+                                        </p:cTn>
+                                        <p:tgtEl>
+                                          <p:spTgt spid="6"/>
+                                        </p:tgtEl>
+                                        <p:attrNameLst>
+                                          <p:attrName>style.visibility</p:attrName>
+                                        </p:attrNameLst>
+                                      </p:cBhvr>
+                                      <p:to>
+                                        <p:strVal val="visible"/>
+                                      </p:to>
+                                    </p:set>
+                                    <p:animEffect transition="in" filter="fade">
+                                      <p:cBhvr>
+                                        <p:cTn id="7" dur="500"/>
+                                        <p:tgtEl>
+                                          <p:spTgt spid="6"/>
+                                        </p:tgtEl>
+                                      </p:cBhvr>
+                                    </p:animEffect>
+                                  </p:childTnLst>
+                                </p:cTn>
+                              </p:par>
+                            </p:childTnLst>
+                          </p:cTn>
+                        </p:par>
+                        <p:par>
+                          <p:cTn id="8" fill="hold">
+                            <p:stCondLst>
+                              <p:cond delay="500"/>
+                            </p:stCondLst>
+                            <p:childTnLst>
+                              <p:par>
+                                <p:cTn id="9" presetID="22" presetClass="entr" presetSubtype="8" fill="hold" nodeType="afterEffect">
+                                  <p:stCondLst>
+                                    <p:cond delay="0"/>
+                                  </p:stCondLst>
+                                  <p:childTnLst>
+                                    <p:set>
+                                      <p:cBhvr>
+                                        <p:cTn id="10" dur="1" fill="hold">
                                           <p:stCondLst>
                                             <p:cond delay="0"/>
                                           </p:stCondLst>
@@ -42284,7 +42786,7 @@
                                     </p:set>
                                     <p:animEffect transition="in" filter="wipe(left)">
                                       <p:cBhvr>
-                                        <p:cTn id="7" dur="500"/>
+                                        <p:cTn id="11" dur="500"/>
                                         <p:tgtEl>
                                           <p:spTgt spid="82"/>
                                         </p:tgtEl>
@@ -42296,36 +42798,27 @@
                             </p:childTnLst>
                           </p:cTn>
                         </p:par>
-                      </p:childTnLst>
-                    </p:cTn>
-                  </p:par>
-                  <p:par>
-                    <p:cTn id="8" fill="hold">
-                      <p:stCondLst>
-                        <p:cond delay="indefinite"/>
-                      </p:stCondLst>
-                      <p:childTnLst>
                         <p:par>
-                          <p:cTn id="9" fill="hold">
+                          <p:cTn id="12" fill="hold">
                             <p:stCondLst>
-                              <p:cond delay="0"/>
+                              <p:cond delay="1000"/>
                             </p:stCondLst>
                             <p:childTnLst>
                               <p:par>
-                                <p:cTn id="10" presetID="10" presetClass="entr" presetSubtype="0" fill="hold" grpId="0" nodeType="clickEffect">
+                                <p:cTn id="13" presetID="22" presetClass="entr" presetSubtype="4" fill="hold" nodeType="afterEffect">
                                   <p:stCondLst>
                                     <p:cond delay="0"/>
                                   </p:stCondLst>
                                   <p:childTnLst>
                                     <p:set>
                                       <p:cBhvr>
-                                        <p:cTn id="11" dur="1" fill="hold">
+                                        <p:cTn id="14" dur="1" fill="hold">
                                           <p:stCondLst>
                                             <p:cond delay="0"/>
                                           </p:stCondLst>
                                         </p:cTn>
                                         <p:tgtEl>
-                                          <p:spTgt spid="6"/>
+                                          <p:spTgt spid="134"/>
                                         </p:tgtEl>
                                         <p:attrNameLst>
                                           <p:attrName>style.visibility</p:attrName>
@@ -42335,11 +42828,11 @@
                                         <p:strVal val="visible"/>
                                       </p:to>
                                     </p:set>
-                                    <p:animEffect transition="in" filter="fade">
+                                    <p:animEffect transition="in" filter="wipe(down)">
                                       <p:cBhvr>
-                                        <p:cTn id="12" dur="500"/>
+                                        <p:cTn id="15" dur="500"/>
                                         <p:tgtEl>
-                                          <p:spTgt spid="6"/>
+                                          <p:spTgt spid="134"/>
                                         </p:tgtEl>
                                       </p:cBhvr>
                                     </p:animEffect>
@@ -42350,20 +42843,20 @@
                           </p:cTn>
                         </p:par>
                         <p:par>
-                          <p:cTn id="13" fill="hold">
+                          <p:cTn id="16" fill="hold">
                             <p:stCondLst>
-                              <p:cond delay="500"/>
+                              <p:cond delay="1500"/>
                             </p:stCondLst>
                             <p:childTnLst>
                               <p:par>
-                                <p:cTn id="14" presetID="22" presetClass="entr" presetSubtype="4" fill="hold" nodeType="afterEffect">
+                                <p:cTn id="17" presetID="22" presetClass="entr" presetSubtype="4" fill="hold" nodeType="afterEffect">
                                   <p:stCondLst>
                                     <p:cond delay="0"/>
                                   </p:stCondLst>
                                   <p:childTnLst>
                                     <p:set>
                                       <p:cBhvr>
-                                        <p:cTn id="15" dur="1" fill="hold">
+                                        <p:cTn id="18" dur="1" fill="hold">
                                           <p:stCondLst>
                                             <p:cond delay="0"/>
                                           </p:stCondLst>
@@ -42381,7 +42874,7 @@
                                     </p:set>
                                     <p:animEffect transition="in" filter="wipe(down)">
                                       <p:cBhvr>
-                                        <p:cTn id="16" dur="500"/>
+                                        <p:cTn id="19" dur="500"/>
                                         <p:tgtEl>
                                           <p:spTgt spid="13"/>
                                         </p:tgtEl>
@@ -42394,20 +42887,20 @@
                           </p:cTn>
                         </p:par>
                         <p:par>
-                          <p:cTn id="17" fill="hold">
+                          <p:cTn id="20" fill="hold">
                             <p:stCondLst>
-                              <p:cond delay="1000"/>
+                              <p:cond delay="2000"/>
                             </p:stCondLst>
                             <p:childTnLst>
                               <p:par>
-                                <p:cTn id="18" presetID="10" presetClass="entr" presetSubtype="0" fill="hold" grpId="0" nodeType="afterEffect">
+                                <p:cTn id="21" presetID="10" presetClass="entr" presetSubtype="0" fill="hold" grpId="0" nodeType="afterEffect">
                                   <p:stCondLst>
                                     <p:cond delay="0"/>
                                   </p:stCondLst>
                                   <p:childTnLst>
                                     <p:set>
                                       <p:cBhvr>
-                                        <p:cTn id="19" dur="1" fill="hold">
+                                        <p:cTn id="22" dur="1" fill="hold">
                                           <p:stCondLst>
                                             <p:cond delay="0"/>
                                           </p:stCondLst>
@@ -42425,7 +42918,7 @@
                                     </p:set>
                                     <p:animEffect transition="in" filter="fade">
                                       <p:cBhvr>
-                                        <p:cTn id="20" dur="500"/>
+                                        <p:cTn id="23" dur="500"/>
                                         <p:tgtEl>
                                           <p:spTgt spid="124"/>
                                         </p:tgtEl>
@@ -42441,26 +42934,26 @@
                     </p:cTn>
                   </p:par>
                   <p:par>
-                    <p:cTn id="21" fill="hold">
+                    <p:cTn id="24" fill="hold">
                       <p:stCondLst>
                         <p:cond delay="indefinite"/>
                       </p:stCondLst>
                       <p:childTnLst>
                         <p:par>
-                          <p:cTn id="22" fill="hold">
+                          <p:cTn id="25" fill="hold">
                             <p:stCondLst>
                               <p:cond delay="0"/>
                             </p:stCondLst>
                             <p:childTnLst>
                               <p:par>
-                                <p:cTn id="23" presetID="10" presetClass="entr" presetSubtype="0" fill="hold" grpId="0" nodeType="clickEffect">
+                                <p:cTn id="26" presetID="10" presetClass="entr" presetSubtype="0" fill="hold" grpId="0" nodeType="clickEffect">
                                   <p:stCondLst>
                                     <p:cond delay="0"/>
                                   </p:stCondLst>
                                   <p:childTnLst>
                                     <p:set>
                                       <p:cBhvr>
-                                        <p:cTn id="24" dur="1" fill="hold">
+                                        <p:cTn id="27" dur="1" fill="hold">
                                           <p:stCondLst>
                                             <p:cond delay="0"/>
                                           </p:stCondLst>
@@ -42478,7 +42971,7 @@
                                     </p:set>
                                     <p:animEffect transition="in" filter="fade">
                                       <p:cBhvr>
-                                        <p:cTn id="25" dur="500"/>
+                                        <p:cTn id="28" dur="500"/>
                                         <p:tgtEl>
                                           <p:spTgt spid="132"/>
                                         </p:tgtEl>
@@ -42737,109 +43230,6 @@
               </a:solidFill>
               <a:effectLst/>
               <a:latin typeface="Times New Roman" pitchFamily="8" charset="0"/>
-            </a:endParaRPr>
-          </a:p>
-        </p:txBody>
-      </p:sp>
-      <p:sp>
-        <p:nvSpPr>
-          <p:cNvPr id="3" name="TextBox 2"/>
-          <p:cNvSpPr txBox="1"/>
-          <p:nvPr/>
-        </p:nvSpPr>
-        <p:spPr>
-          <a:xfrm>
-            <a:off x="632019" y="5140661"/>
-            <a:ext cx="7813436" cy="1077218"/>
-          </a:xfrm>
-          <a:prstGeom prst="rect">
-            <a:avLst/>
-          </a:prstGeom>
-          <a:noFill/>
-        </p:spPr>
-        <p:txBody>
-          <a:bodyPr wrap="square" rtlCol="0">
-            <a:spAutoFit/>
-          </a:bodyPr>
-          <a:lstStyle/>
-          <a:p>
-            <a:r>
-              <a:rPr lang="en-US" sz="3200" dirty="0" smtClean="0">
-                <a:solidFill>
-                  <a:srgbClr val="B10097"/>
-                </a:solidFill>
-                <a:latin typeface="Comic Sans MS"/>
-                <a:cs typeface="Comic Sans MS"/>
-              </a:rPr>
-              <a:t>Is there an assignment of </a:t>
-            </a:r>
-            <a:r>
-              <a:rPr lang="en-US" sz="3200" dirty="0" smtClean="0">
-                <a:solidFill>
-                  <a:srgbClr val="008000"/>
-                </a:solidFill>
-                <a:latin typeface="Comic Sans MS"/>
-                <a:cs typeface="Comic Sans MS"/>
-              </a:rPr>
-              <a:t>T</a:t>
-            </a:r>
-            <a:r>
-              <a:rPr lang="en-US" sz="3200" dirty="0" smtClean="0">
-                <a:solidFill>
-                  <a:srgbClr val="B10097"/>
-                </a:solidFill>
-                <a:latin typeface="Comic Sans MS"/>
-                <a:cs typeface="Comic Sans MS"/>
-              </a:rPr>
-              <a:t>’s and</a:t>
-            </a:r>
-            <a:r>
-              <a:rPr lang="en-US" sz="3200" dirty="0" smtClean="0">
-                <a:latin typeface="Comic Sans MS"/>
-                <a:cs typeface="Comic Sans MS"/>
-              </a:rPr>
-              <a:t> </a:t>
-            </a:r>
-            <a:r>
-              <a:rPr lang="en-US" sz="3200" dirty="0" smtClean="0">
-                <a:solidFill>
-                  <a:srgbClr val="FF0000"/>
-                </a:solidFill>
-                <a:latin typeface="Comic Sans MS"/>
-                <a:cs typeface="Comic Sans MS"/>
-              </a:rPr>
-              <a:t>F</a:t>
-            </a:r>
-            <a:r>
-              <a:rPr lang="en-US" sz="3200" dirty="0" smtClean="0">
-                <a:solidFill>
-                  <a:srgbClr val="B10097"/>
-                </a:solidFill>
-                <a:latin typeface="Comic Sans MS"/>
-                <a:cs typeface="Comic Sans MS"/>
-              </a:rPr>
-              <a:t>’s to the inputs that yields output </a:t>
-            </a:r>
-            <a:r>
-              <a:rPr lang="en-US" sz="3200" dirty="0" smtClean="0">
-                <a:solidFill>
-                  <a:srgbClr val="008000"/>
-                </a:solidFill>
-                <a:latin typeface="Comic Sans MS"/>
-                <a:cs typeface="Comic Sans MS"/>
-              </a:rPr>
-              <a:t>T</a:t>
-            </a:r>
-            <a:r>
-              <a:rPr lang="en-US" sz="3200" dirty="0" smtClean="0">
-                <a:latin typeface="Comic Sans MS"/>
-                <a:cs typeface="Comic Sans MS"/>
-              </a:rPr>
-              <a:t>?</a:t>
-            </a:r>
-            <a:endParaRPr lang="en-US" sz="3200" dirty="0">
-              <a:latin typeface="Comic Sans MS"/>
-              <a:cs typeface="Comic Sans MS"/>
             </a:endParaRPr>
           </a:p>
         </p:txBody>
